--- a/doc/presentation/presentation_class.pptx
+++ b/doc/presentation/presentation_class.pptx
@@ -4480,14 +4480,14 @@
       </p:grpSpPr>
       <p:pic>
         <p:nvPicPr>
-          <p:cNvPr id="10" name="Picture 9" descr="Screen Shot 2015-05-03 at 9.10.52 PM.png"/>
+          <p:cNvPr id="2" name="Picture 1" descr="victoriasblog.png"/>
           <p:cNvPicPr>
             <a:picLocks noChangeAspect="1"/>
           </p:cNvPicPr>
           <p:nvPr/>
         </p:nvPicPr>
         <p:blipFill>
-          <a:blip>
+          <a:blip r:embed="rId3">
             <a:extLst>
               <a:ext uri="{28A0092B-C50C-407E-A947-70E740481C1C}">
                 <a14:useLocalDpi xmlns:a14="http://schemas.microsoft.com/office/drawing/2010/main" val="0"/>
@@ -4500,8 +4500,8 @@
         </p:blipFill>
         <p:spPr>
           <a:xfrm>
-            <a:off x="1771259" y="1069212"/>
-            <a:ext cx="5583954" cy="3718624"/>
+            <a:off x="1750431" y="1155635"/>
+            <a:ext cx="5566772" cy="3707182"/>
           </a:xfrm>
           <a:prstGeom prst="rect">
             <a:avLst/>
@@ -4510,14 +4510,43 @@
       </p:pic>
       <p:pic>
         <p:nvPicPr>
-          <p:cNvPr id="11" name="Picture 10" descr="Reddit_logo.png"/>
+          <p:cNvPr id="5" name="Picture 4" descr="pagenotfound.png"/>
+          <p:cNvPicPr>
+            <a:picLocks noChangeAspect="1"/>
+          </p:cNvPicPr>
+          <p:nvPr/>
+        </p:nvPicPr>
+        <p:blipFill rotWithShape="1">
+          <a:blip r:embed="rId4">
+            <a:extLst>
+              <a:ext uri="{28A0092B-C50C-407E-A947-70E740481C1C}">
+                <a14:useLocalDpi xmlns:a14="http://schemas.microsoft.com/office/drawing/2010/main" val="0"/>
+              </a:ext>
+            </a:extLst>
+          </a:blip>
+          <a:srcRect l="-235" r="235"/>
+          <a:stretch/>
+        </p:blipFill>
+        <p:spPr>
+          <a:xfrm>
+            <a:off x="1737360" y="1155635"/>
+            <a:ext cx="5586823" cy="3707182"/>
+          </a:xfrm>
+          <a:prstGeom prst="rect">
+            <a:avLst/>
+          </a:prstGeom>
+        </p:spPr>
+      </p:pic>
+      <p:pic>
+        <p:nvPicPr>
+          <p:cNvPr id="6" name="Picture 5" descr="reddit_alien.png"/>
           <p:cNvPicPr>
             <a:picLocks noChangeAspect="1"/>
           </p:cNvPicPr>
           <p:nvPr/>
         </p:nvPicPr>
         <p:blipFill>
-          <a:blip>
+          <a:blip r:embed="rId5">
             <a:extLst>
               <a:ext uri="{28A0092B-C50C-407E-A947-70E740481C1C}">
                 <a14:useLocalDpi xmlns:a14="http://schemas.microsoft.com/office/drawing/2010/main" val="0"/>
@@ -4530,8 +4559,8 @@
         </p:blipFill>
         <p:spPr>
           <a:xfrm>
-            <a:off x="3272049" y="1121308"/>
-            <a:ext cx="2514543" cy="3489785"/>
+            <a:off x="2139256" y="949679"/>
+            <a:ext cx="5080000" cy="3810000"/>
           </a:xfrm>
           <a:prstGeom prst="rect">
             <a:avLst/>
@@ -4585,36 +4614,6 @@
           </a:p>
         </p:txBody>
       </p:sp>
-      <p:pic>
-        <p:nvPicPr>
-          <p:cNvPr id="4" name="Picture 3" descr="Screen Shot 2015-05-03 at 9.14.09 PM.png"/>
-          <p:cNvPicPr>
-            <a:picLocks noChangeAspect="1"/>
-          </p:cNvPicPr>
-          <p:nvPr/>
-        </p:nvPicPr>
-        <p:blipFill>
-          <a:blip>
-            <a:extLst>
-              <a:ext uri="{28A0092B-C50C-407E-A947-70E740481C1C}">
-                <a14:useLocalDpi xmlns:a14="http://schemas.microsoft.com/office/drawing/2010/main" val="0"/>
-              </a:ext>
-            </a:extLst>
-          </a:blip>
-          <a:stretch>
-            <a:fillRect/>
-          </a:stretch>
-        </p:blipFill>
-        <p:spPr>
-          <a:xfrm>
-            <a:off x="1771259" y="1069212"/>
-            <a:ext cx="5579941" cy="3718624"/>
-          </a:xfrm>
-          <a:prstGeom prst="rect">
-            <a:avLst/>
-          </a:prstGeom>
-        </p:spPr>
-      </p:pic>
       <p:sp>
         <p:nvSpPr>
           <p:cNvPr id="3" name="Rectangle 2"/>
@@ -4623,7 +4622,7 @@
         </p:nvSpPr>
         <p:spPr>
           <a:xfrm>
-            <a:off x="582465" y="465509"/>
+            <a:off x="540373" y="477671"/>
             <a:ext cx="7916982" cy="5869705"/>
           </a:xfrm>
           <a:prstGeom prst="rect">
@@ -4768,7 +4767,7 @@
                                           </p:stCondLst>
                                         </p:cTn>
                                         <p:tgtEl>
-                                          <p:spTgt spid="11"/>
+                                          <p:spTgt spid="6"/>
                                         </p:tgtEl>
                                         <p:attrNameLst>
                                           <p:attrName>style.visibility</p:attrName>
@@ -4800,7 +4799,7 @@
                             </p:stCondLst>
                             <p:childTnLst>
                               <p:par>
-                                <p:cTn id="9" presetID="1" presetClass="entr" presetSubtype="0" fill="hold" grpId="0" nodeType="clickEffect">
+                                <p:cTn id="9" presetID="1" presetClass="entr" presetSubtype="0" fill="hold" nodeType="clickEffect">
                                   <p:stCondLst>
                                     <p:cond delay="0"/>
                                   </p:stCondLst>
@@ -4813,7 +4812,7 @@
                                           </p:stCondLst>
                                         </p:cTn>
                                         <p:tgtEl>
-                                          <p:spTgt spid="7"/>
+                                          <p:spTgt spid="5"/>
                                         </p:tgtEl>
                                         <p:attrNameLst>
                                           <p:attrName>style.visibility</p:attrName>
@@ -4845,7 +4844,7 @@
                             </p:stCondLst>
                             <p:childTnLst>
                               <p:par>
-                                <p:cTn id="13" presetID="1" presetClass="entr" presetSubtype="0" fill="hold" nodeType="clickEffect">
+                                <p:cTn id="13" presetID="1" presetClass="entr" presetSubtype="0" fill="hold" grpId="0" nodeType="clickEffect">
                                   <p:stCondLst>
                                     <p:cond delay="0"/>
                                   </p:stCondLst>
@@ -4858,7 +4857,7 @@
                                           </p:stCondLst>
                                         </p:cTn>
                                         <p:tgtEl>
-                                          <p:spTgt spid="4"/>
+                                          <p:spTgt spid="7"/>
                                         </p:tgtEl>
                                         <p:attrNameLst>
                                           <p:attrName>style.visibility</p:attrName>
@@ -5441,11 +5440,7 @@
           <a:p>
             <a:r>
               <a:rPr lang="en-US" sz="2700" dirty="0" err="1" smtClean="0"/>
-              <a:t>Zauberfl</a:t>
-            </a:r>
-            <a:r>
-              <a:rPr lang="en-US" sz="2700" dirty="0" err="1" smtClean="0"/>
-              <a:t>öte</a:t>
+              <a:t>Zauberflöte</a:t>
             </a:r>
             <a:endParaRPr lang="en-US" sz="2700" dirty="0"/>
           </a:p>

--- a/doc/presentation/presentation_class.pptx
+++ b/doc/presentation/presentation_class.pptx
@@ -205,7 +205,7 @@
           <a:p>
             <a:fld id="{6C761D8B-B95F-5046-91CB-FA02F3B086AB}" type="datetimeFigureOut">
               <a:rPr lang="en-US" smtClean="0"/>
-              <a:t>5/13/15</a:t>
+              <a:t>5/14/15</a:t>
             </a:fld>
             <a:endParaRPr lang="en-US"/>
           </a:p>
@@ -830,7 +830,7 @@
           <a:p>
             <a:fld id="{5274A222-61D2-794B-9743-CB16A01AD6AA}" type="datetimeFigureOut">
               <a:rPr lang="en-US" smtClean="0"/>
-              <a:t>5/13/15</a:t>
+              <a:t>5/14/15</a:t>
             </a:fld>
             <a:endParaRPr lang="en-US"/>
           </a:p>
@@ -1000,7 +1000,7 @@
           <a:p>
             <a:fld id="{5274A222-61D2-794B-9743-CB16A01AD6AA}" type="datetimeFigureOut">
               <a:rPr lang="en-US" smtClean="0"/>
-              <a:t>5/13/15</a:t>
+              <a:t>5/14/15</a:t>
             </a:fld>
             <a:endParaRPr lang="en-US"/>
           </a:p>
@@ -1180,7 +1180,7 @@
           <a:p>
             <a:fld id="{5274A222-61D2-794B-9743-CB16A01AD6AA}" type="datetimeFigureOut">
               <a:rPr lang="en-US" smtClean="0"/>
-              <a:t>5/13/15</a:t>
+              <a:t>5/14/15</a:t>
             </a:fld>
             <a:endParaRPr lang="en-US"/>
           </a:p>
@@ -1350,7 +1350,7 @@
           <a:p>
             <a:fld id="{5274A222-61D2-794B-9743-CB16A01AD6AA}" type="datetimeFigureOut">
               <a:rPr lang="en-US" smtClean="0"/>
-              <a:t>5/13/15</a:t>
+              <a:t>5/14/15</a:t>
             </a:fld>
             <a:endParaRPr lang="en-US"/>
           </a:p>
@@ -1596,7 +1596,7 @@
           <a:p>
             <a:fld id="{5274A222-61D2-794B-9743-CB16A01AD6AA}" type="datetimeFigureOut">
               <a:rPr lang="en-US" smtClean="0"/>
-              <a:t>5/13/15</a:t>
+              <a:t>5/14/15</a:t>
             </a:fld>
             <a:endParaRPr lang="en-US"/>
           </a:p>
@@ -1884,7 +1884,7 @@
           <a:p>
             <a:fld id="{5274A222-61D2-794B-9743-CB16A01AD6AA}" type="datetimeFigureOut">
               <a:rPr lang="en-US" smtClean="0"/>
-              <a:t>5/13/15</a:t>
+              <a:t>5/14/15</a:t>
             </a:fld>
             <a:endParaRPr lang="en-US"/>
           </a:p>
@@ -2306,7 +2306,7 @@
           <a:p>
             <a:fld id="{5274A222-61D2-794B-9743-CB16A01AD6AA}" type="datetimeFigureOut">
               <a:rPr lang="en-US" smtClean="0"/>
-              <a:t>5/13/15</a:t>
+              <a:t>5/14/15</a:t>
             </a:fld>
             <a:endParaRPr lang="en-US"/>
           </a:p>
@@ -2424,7 +2424,7 @@
           <a:p>
             <a:fld id="{5274A222-61D2-794B-9743-CB16A01AD6AA}" type="datetimeFigureOut">
               <a:rPr lang="en-US" smtClean="0"/>
-              <a:t>5/13/15</a:t>
+              <a:t>5/14/15</a:t>
             </a:fld>
             <a:endParaRPr lang="en-US"/>
           </a:p>
@@ -2519,7 +2519,7 @@
           <a:p>
             <a:fld id="{5274A222-61D2-794B-9743-CB16A01AD6AA}" type="datetimeFigureOut">
               <a:rPr lang="en-US" smtClean="0"/>
-              <a:t>5/13/15</a:t>
+              <a:t>5/14/15</a:t>
             </a:fld>
             <a:endParaRPr lang="en-US"/>
           </a:p>
@@ -2796,7 +2796,7 @@
           <a:p>
             <a:fld id="{5274A222-61D2-794B-9743-CB16A01AD6AA}" type="datetimeFigureOut">
               <a:rPr lang="en-US" smtClean="0"/>
-              <a:t>5/13/15</a:t>
+              <a:t>5/14/15</a:t>
             </a:fld>
             <a:endParaRPr lang="en-US"/>
           </a:p>
@@ -3049,7 +3049,7 @@
           <a:p>
             <a:fld id="{5274A222-61D2-794B-9743-CB16A01AD6AA}" type="datetimeFigureOut">
               <a:rPr lang="en-US" smtClean="0"/>
-              <a:t>5/13/15</a:t>
+              <a:t>5/14/15</a:t>
             </a:fld>
             <a:endParaRPr lang="en-US"/>
           </a:p>
@@ -3262,7 +3262,7 @@
           <a:p>
             <a:fld id="{5274A222-61D2-794B-9743-CB16A01AD6AA}" type="datetimeFigureOut">
               <a:rPr lang="en-US" smtClean="0"/>
-              <a:t>5/13/15</a:t>
+              <a:t>5/14/15</a:t>
             </a:fld>
             <a:endParaRPr lang="en-US"/>
           </a:p>
@@ -4424,19 +4424,25 @@
           <a:p>
             <a:r>
               <a:rPr lang="en-US" dirty="0" smtClean="0"/>
-              <a:t>Variable request sizes</a:t>
-            </a:r>
-          </a:p>
-          <a:p>
+              <a:t>Bandwidth </a:t>
+            </a:r>
             <a:r>
               <a:rPr lang="en-US" dirty="0" smtClean="0"/>
-              <a:t>Bandwidth detection &amp; prioritization</a:t>
+              <a:t>detection &amp; prioritization</a:t>
             </a:r>
           </a:p>
           <a:p>
             <a:r>
               <a:rPr lang="en-US" dirty="0" smtClean="0"/>
-              <a:t>Support for HTML5 media</a:t>
+              <a:t>Support </a:t>
+            </a:r>
+            <a:r>
+              <a:rPr lang="en-US" dirty="0" smtClean="0"/>
+              <a:t>streaming HTML5 </a:t>
+            </a:r>
+            <a:r>
+              <a:rPr lang="en-US" dirty="0" smtClean="0"/>
+              <a:t>media</a:t>
             </a:r>
           </a:p>
         </p:txBody>
@@ -4799,7 +4805,7 @@
                             </p:stCondLst>
                             <p:childTnLst>
                               <p:par>
-                                <p:cTn id="9" presetID="1" presetClass="entr" presetSubtype="0" fill="hold" nodeType="clickEffect">
+                                <p:cTn id="9" presetID="1" presetClass="entr" presetSubtype="0" fill="hold" grpId="0" nodeType="clickEffect">
                                   <p:stCondLst>
                                     <p:cond delay="0"/>
                                   </p:stCondLst>
@@ -4812,7 +4818,7 @@
                                           </p:stCondLst>
                                         </p:cTn>
                                         <p:tgtEl>
-                                          <p:spTgt spid="5"/>
+                                          <p:spTgt spid="7"/>
                                         </p:tgtEl>
                                         <p:attrNameLst>
                                           <p:attrName>style.visibility</p:attrName>
@@ -4844,7 +4850,7 @@
                             </p:stCondLst>
                             <p:childTnLst>
                               <p:par>
-                                <p:cTn id="13" presetID="1" presetClass="entr" presetSubtype="0" fill="hold" grpId="0" nodeType="clickEffect">
+                                <p:cTn id="13" presetID="1" presetClass="entr" presetSubtype="0" fill="hold" nodeType="clickEffect">
                                   <p:stCondLst>
                                     <p:cond delay="0"/>
                                   </p:stCondLst>
@@ -4857,7 +4863,7 @@
                                           </p:stCondLst>
                                         </p:cTn>
                                         <p:tgtEl>
-                                          <p:spTgt spid="7"/>
+                                          <p:spTgt spid="5"/>
                                         </p:tgtEl>
                                         <p:attrNameLst>
                                           <p:attrName>style.visibility</p:attrName>
